--- a/docs/Presentation/TOC-Presentation.pptx
+++ b/docs/Presentation/TOC-Presentation.pptx
@@ -16,6 +16,7 @@
     <p:sldId id="259" r:id="rId10"/>
     <p:sldId id="260" r:id="rId11"/>
     <p:sldId id="267" r:id="rId12"/>
+    <p:sldId id="268" r:id="rId13"/>
   </p:sldIdLst>
   <p:sldSz cx="12192000" cy="6858000"/>
   <p:notesSz cx="6858000" cy="9144000"/>
@@ -271,7 +272,7 @@
           <a:p>
             <a:fld id="{976C4070-4EB6-1840-8B0C-6E10ECCB6EA8}" type="datetimeFigureOut">
               <a:rPr lang="en-CH" smtClean="0"/>
-              <a:t>25.05.21</a:t>
+              <a:t>26.05.21</a:t>
             </a:fld>
             <a:endParaRPr lang="en-CH"/>
           </a:p>
@@ -471,7 +472,7 @@
           <a:p>
             <a:fld id="{976C4070-4EB6-1840-8B0C-6E10ECCB6EA8}" type="datetimeFigureOut">
               <a:rPr lang="en-CH" smtClean="0"/>
-              <a:t>25.05.21</a:t>
+              <a:t>26.05.21</a:t>
             </a:fld>
             <a:endParaRPr lang="en-CH"/>
           </a:p>
@@ -681,7 +682,7 @@
           <a:p>
             <a:fld id="{976C4070-4EB6-1840-8B0C-6E10ECCB6EA8}" type="datetimeFigureOut">
               <a:rPr lang="en-CH" smtClean="0"/>
-              <a:t>25.05.21</a:t>
+              <a:t>26.05.21</a:t>
             </a:fld>
             <a:endParaRPr lang="en-CH"/>
           </a:p>
@@ -881,7 +882,7 @@
           <a:p>
             <a:fld id="{976C4070-4EB6-1840-8B0C-6E10ECCB6EA8}" type="datetimeFigureOut">
               <a:rPr lang="en-CH" smtClean="0"/>
-              <a:t>25.05.21</a:t>
+              <a:t>26.05.21</a:t>
             </a:fld>
             <a:endParaRPr lang="en-CH"/>
           </a:p>
@@ -1157,7 +1158,7 @@
           <a:p>
             <a:fld id="{976C4070-4EB6-1840-8B0C-6E10ECCB6EA8}" type="datetimeFigureOut">
               <a:rPr lang="en-CH" smtClean="0"/>
-              <a:t>25.05.21</a:t>
+              <a:t>26.05.21</a:t>
             </a:fld>
             <a:endParaRPr lang="en-CH"/>
           </a:p>
@@ -1425,7 +1426,7 @@
           <a:p>
             <a:fld id="{976C4070-4EB6-1840-8B0C-6E10ECCB6EA8}" type="datetimeFigureOut">
               <a:rPr lang="en-CH" smtClean="0"/>
-              <a:t>25.05.21</a:t>
+              <a:t>26.05.21</a:t>
             </a:fld>
             <a:endParaRPr lang="en-CH"/>
           </a:p>
@@ -1840,7 +1841,7 @@
           <a:p>
             <a:fld id="{976C4070-4EB6-1840-8B0C-6E10ECCB6EA8}" type="datetimeFigureOut">
               <a:rPr lang="en-CH" smtClean="0"/>
-              <a:t>25.05.21</a:t>
+              <a:t>26.05.21</a:t>
             </a:fld>
             <a:endParaRPr lang="en-CH"/>
           </a:p>
@@ -1982,7 +1983,7 @@
           <a:p>
             <a:fld id="{976C4070-4EB6-1840-8B0C-6E10ECCB6EA8}" type="datetimeFigureOut">
               <a:rPr lang="en-CH" smtClean="0"/>
-              <a:t>25.05.21</a:t>
+              <a:t>26.05.21</a:t>
             </a:fld>
             <a:endParaRPr lang="en-CH"/>
           </a:p>
@@ -2095,7 +2096,7 @@
           <a:p>
             <a:fld id="{976C4070-4EB6-1840-8B0C-6E10ECCB6EA8}" type="datetimeFigureOut">
               <a:rPr lang="en-CH" smtClean="0"/>
-              <a:t>25.05.21</a:t>
+              <a:t>26.05.21</a:t>
             </a:fld>
             <a:endParaRPr lang="en-CH"/>
           </a:p>
@@ -2408,7 +2409,7 @@
           <a:p>
             <a:fld id="{976C4070-4EB6-1840-8B0C-6E10ECCB6EA8}" type="datetimeFigureOut">
               <a:rPr lang="en-CH" smtClean="0"/>
-              <a:t>25.05.21</a:t>
+              <a:t>26.05.21</a:t>
             </a:fld>
             <a:endParaRPr lang="en-CH"/>
           </a:p>
@@ -2697,7 +2698,7 @@
           <a:p>
             <a:fld id="{976C4070-4EB6-1840-8B0C-6E10ECCB6EA8}" type="datetimeFigureOut">
               <a:rPr lang="en-CH" smtClean="0"/>
-              <a:t>25.05.21</a:t>
+              <a:t>26.05.21</a:t>
             </a:fld>
             <a:endParaRPr lang="en-CH"/>
           </a:p>
@@ -2940,7 +2941,7 @@
           <a:p>
             <a:fld id="{976C4070-4EB6-1840-8B0C-6E10ECCB6EA8}" type="datetimeFigureOut">
               <a:rPr lang="en-CH" smtClean="0"/>
-              <a:t>25.05.21</a:t>
+              <a:t>26.05.21</a:t>
             </a:fld>
             <a:endParaRPr lang="en-CH"/>
           </a:p>
@@ -4229,6 +4230,133 @@
 </p:sld>
 </file>
 
+<file path=ppt/slides/slide12.xml><?xml version="1.0" encoding="utf-8"?>
+<p:sld xmlns:a="http://schemas.openxmlformats.org/drawingml/2006/main" xmlns:r="http://schemas.openxmlformats.org/officeDocument/2006/relationships" xmlns:p="http://schemas.openxmlformats.org/presentationml/2006/main">
+  <p:cSld>
+    <p:spTree>
+      <p:nvGrpSpPr>
+        <p:cNvPr id="1" name=""/>
+        <p:cNvGrpSpPr/>
+        <p:nvPr/>
+      </p:nvGrpSpPr>
+      <p:grpSpPr>
+        <a:xfrm>
+          <a:off x="0" y="0"/>
+          <a:ext cx="0" cy="0"/>
+          <a:chOff x="0" y="0"/>
+          <a:chExt cx="0" cy="0"/>
+        </a:xfrm>
+      </p:grpSpPr>
+      <p:sp>
+        <p:nvSpPr>
+          <p:cNvPr id="2" name="Title 1">
+            <a:extLst>
+              <a:ext uri="{FF2B5EF4-FFF2-40B4-BE49-F238E27FC236}">
+                <a16:creationId xmlns:a16="http://schemas.microsoft.com/office/drawing/2014/main" id="{84F509AD-D018-E645-B6EE-CBDEF3785A06}"/>
+              </a:ext>
+            </a:extLst>
+          </p:cNvPr>
+          <p:cNvSpPr>
+            <a:spLocks noGrp="1"/>
+          </p:cNvSpPr>
+          <p:nvPr>
+            <p:ph type="title"/>
+          </p:nvPr>
+        </p:nvSpPr>
+        <p:spPr/>
+        <p:txBody>
+          <a:bodyPr/>
+          <a:lstStyle/>
+          <a:p>
+            <a:endParaRPr lang="en-CH"/>
+          </a:p>
+        </p:txBody>
+      </p:sp>
+      <p:sp>
+        <p:nvSpPr>
+          <p:cNvPr id="3" name="Content Placeholder 2">
+            <a:extLst>
+              <a:ext uri="{FF2B5EF4-FFF2-40B4-BE49-F238E27FC236}">
+                <a16:creationId xmlns:a16="http://schemas.microsoft.com/office/drawing/2014/main" id="{14D1AE28-0EBE-7E4E-8CF3-12D5FF422399}"/>
+              </a:ext>
+            </a:extLst>
+          </p:cNvPr>
+          <p:cNvSpPr>
+            <a:spLocks noGrp="1"/>
+          </p:cNvSpPr>
+          <p:nvPr>
+            <p:ph idx="1"/>
+          </p:nvPr>
+        </p:nvSpPr>
+        <p:spPr/>
+        <p:txBody>
+          <a:bodyPr/>
+          <a:lstStyle/>
+          <a:p>
+            <a:endParaRPr lang="en-CH"/>
+          </a:p>
+        </p:txBody>
+      </p:sp>
+      <p:pic>
+        <p:nvPicPr>
+          <p:cNvPr id="7170" name="Picture 2">
+            <a:extLst>
+              <a:ext uri="{FF2B5EF4-FFF2-40B4-BE49-F238E27FC236}">
+                <a16:creationId xmlns:a16="http://schemas.microsoft.com/office/drawing/2014/main" id="{56EDBE63-8E62-3148-90B0-424878B315F9}"/>
+              </a:ext>
+            </a:extLst>
+          </p:cNvPr>
+          <p:cNvPicPr>
+            <a:picLocks noChangeAspect="1" noChangeArrowheads="1"/>
+          </p:cNvPicPr>
+          <p:nvPr/>
+        </p:nvPicPr>
+        <p:blipFill>
+          <a:blip r:embed="rId2">
+            <a:extLst>
+              <a:ext uri="{28A0092B-C50C-407E-A947-70E740481C1C}">
+                <a14:useLocalDpi xmlns:a14="http://schemas.microsoft.com/office/drawing/2010/main" val="0"/>
+              </a:ext>
+            </a:extLst>
+          </a:blip>
+          <a:srcRect/>
+          <a:stretch>
+            <a:fillRect/>
+          </a:stretch>
+        </p:blipFill>
+        <p:spPr bwMode="auto">
+          <a:xfrm>
+            <a:off x="1082675" y="0"/>
+            <a:ext cx="10026650" cy="6858000"/>
+          </a:xfrm>
+          <a:prstGeom prst="rect">
+            <a:avLst/>
+          </a:prstGeom>
+          <a:noFill/>
+          <a:extLst>
+            <a:ext uri="{909E8E84-426E-40DD-AFC4-6F175D3DCCD1}">
+              <a14:hiddenFill xmlns:a14="http://schemas.microsoft.com/office/drawing/2010/main">
+                <a:solidFill>
+                  <a:srgbClr val="FFFFFF"/>
+                </a:solidFill>
+              </a14:hiddenFill>
+            </a:ext>
+          </a:extLst>
+        </p:spPr>
+      </p:pic>
+    </p:spTree>
+    <p:extLst>
+      <p:ext uri="{BB962C8B-B14F-4D97-AF65-F5344CB8AC3E}">
+        <p14:creationId xmlns:p14="http://schemas.microsoft.com/office/powerpoint/2010/main" val="2697106635"/>
+      </p:ext>
+    </p:extLst>
+  </p:cSld>
+  <p:clrMapOvr>
+    <a:masterClrMapping/>
+  </p:clrMapOvr>
+</p:sld>
+</file>
+
 <file path=ppt/slides/slide2.xml><?xml version="1.0" encoding="utf-8"?>
 <p:sld xmlns:a="http://schemas.openxmlformats.org/drawingml/2006/main" xmlns:r="http://schemas.openxmlformats.org/officeDocument/2006/relationships" xmlns:p="http://schemas.openxmlformats.org/presentationml/2006/main">
   <p:cSld>

--- a/docs/Presentation/TOC-Presentation.pptx
+++ b/docs/Presentation/TOC-Presentation.pptx
@@ -4,6 +4,9 @@
   <p:sldMasterIdLst>
     <p:sldMasterId id="2147483648" r:id="rId1"/>
   </p:sldMasterIdLst>
+  <p:notesMasterIdLst>
+    <p:notesMasterId r:id="rId14"/>
+  </p:notesMasterIdLst>
   <p:sldIdLst>
     <p:sldId id="256" r:id="rId2"/>
     <p:sldId id="266" r:id="rId3"/>
@@ -123,6 +126,440 @@
 </p:presentation>
 </file>
 
+<file path=ppt/notesMasters/notesMaster1.xml><?xml version="1.0" encoding="utf-8"?>
+<p:notesMaster xmlns:a="http://schemas.openxmlformats.org/drawingml/2006/main" xmlns:r="http://schemas.openxmlformats.org/officeDocument/2006/relationships" xmlns:p="http://schemas.openxmlformats.org/presentationml/2006/main">
+  <p:cSld>
+    <p:bg>
+      <p:bgRef idx="1001">
+        <a:schemeClr val="bg1"/>
+      </p:bgRef>
+    </p:bg>
+    <p:spTree>
+      <p:nvGrpSpPr>
+        <p:cNvPr id="1" name=""/>
+        <p:cNvGrpSpPr/>
+        <p:nvPr/>
+      </p:nvGrpSpPr>
+      <p:grpSpPr>
+        <a:xfrm>
+          <a:off x="0" y="0"/>
+          <a:ext cx="0" cy="0"/>
+          <a:chOff x="0" y="0"/>
+          <a:chExt cx="0" cy="0"/>
+        </a:xfrm>
+      </p:grpSpPr>
+      <p:sp>
+        <p:nvSpPr>
+          <p:cNvPr id="2" name="Header Placeholder 1"/>
+          <p:cNvSpPr>
+            <a:spLocks noGrp="1"/>
+          </p:cNvSpPr>
+          <p:nvPr>
+            <p:ph type="hdr" sz="quarter"/>
+          </p:nvPr>
+        </p:nvSpPr>
+        <p:spPr>
+          <a:xfrm>
+            <a:off x="0" y="0"/>
+            <a:ext cx="2971800" cy="458788"/>
+          </a:xfrm>
+          <a:prstGeom prst="rect">
+            <a:avLst/>
+          </a:prstGeom>
+        </p:spPr>
+        <p:txBody>
+          <a:bodyPr vert="horz" lIns="91440" tIns="45720" rIns="91440" bIns="45720" rtlCol="0"/>
+          <a:lstStyle>
+            <a:lvl1pPr algn="l">
+              <a:defRPr sz="1200"/>
+            </a:lvl1pPr>
+          </a:lstStyle>
+          <a:p>
+            <a:endParaRPr lang="en-CH"/>
+          </a:p>
+        </p:txBody>
+      </p:sp>
+      <p:sp>
+        <p:nvSpPr>
+          <p:cNvPr id="3" name="Date Placeholder 2"/>
+          <p:cNvSpPr>
+            <a:spLocks noGrp="1"/>
+          </p:cNvSpPr>
+          <p:nvPr>
+            <p:ph type="dt" idx="1"/>
+          </p:nvPr>
+        </p:nvSpPr>
+        <p:spPr>
+          <a:xfrm>
+            <a:off x="3884613" y="0"/>
+            <a:ext cx="2971800" cy="458788"/>
+          </a:xfrm>
+          <a:prstGeom prst="rect">
+            <a:avLst/>
+          </a:prstGeom>
+        </p:spPr>
+        <p:txBody>
+          <a:bodyPr vert="horz" lIns="91440" tIns="45720" rIns="91440" bIns="45720" rtlCol="0"/>
+          <a:lstStyle>
+            <a:lvl1pPr algn="r">
+              <a:defRPr sz="1200"/>
+            </a:lvl1pPr>
+          </a:lstStyle>
+          <a:p>
+            <a:fld id="{3DA49EAF-9F92-4243-805A-5F36C82FCB3B}" type="datetimeFigureOut">
+              <a:rPr lang="en-CH" smtClean="0"/>
+              <a:t>26.05.21</a:t>
+            </a:fld>
+            <a:endParaRPr lang="en-CH"/>
+          </a:p>
+        </p:txBody>
+      </p:sp>
+      <p:sp>
+        <p:nvSpPr>
+          <p:cNvPr id="4" name="Slide Image Placeholder 3"/>
+          <p:cNvSpPr>
+            <a:spLocks noGrp="1" noRot="1" noChangeAspect="1"/>
+          </p:cNvSpPr>
+          <p:nvPr>
+            <p:ph type="sldImg" idx="2"/>
+          </p:nvPr>
+        </p:nvSpPr>
+        <p:spPr>
+          <a:xfrm>
+            <a:off x="685800" y="1143000"/>
+            <a:ext cx="5486400" cy="3086100"/>
+          </a:xfrm>
+          <a:prstGeom prst="rect">
+            <a:avLst/>
+          </a:prstGeom>
+          <a:noFill/>
+          <a:ln w="12700">
+            <a:solidFill>
+              <a:prstClr val="black"/>
+            </a:solidFill>
+          </a:ln>
+        </p:spPr>
+        <p:txBody>
+          <a:bodyPr vert="horz" lIns="91440" tIns="45720" rIns="91440" bIns="45720" rtlCol="0" anchor="ctr"/>
+          <a:lstStyle/>
+          <a:p>
+            <a:endParaRPr lang="en-CH"/>
+          </a:p>
+        </p:txBody>
+      </p:sp>
+      <p:sp>
+        <p:nvSpPr>
+          <p:cNvPr id="5" name="Notes Placeholder 4"/>
+          <p:cNvSpPr>
+            <a:spLocks noGrp="1"/>
+          </p:cNvSpPr>
+          <p:nvPr>
+            <p:ph type="body" sz="quarter" idx="3"/>
+          </p:nvPr>
+        </p:nvSpPr>
+        <p:spPr>
+          <a:xfrm>
+            <a:off x="685800" y="4400550"/>
+            <a:ext cx="5486400" cy="3600450"/>
+          </a:xfrm>
+          <a:prstGeom prst="rect">
+            <a:avLst/>
+          </a:prstGeom>
+        </p:spPr>
+        <p:txBody>
+          <a:bodyPr vert="horz" lIns="91440" tIns="45720" rIns="91440" bIns="45720" rtlCol="0"/>
+          <a:lstStyle/>
+          <a:p>
+            <a:pPr lvl="0"/>
+            <a:r>
+              <a:rPr lang="en-GB"/>
+              <a:t>Click to edit Master text styles</a:t>
+            </a:r>
+          </a:p>
+          <a:p>
+            <a:pPr lvl="1"/>
+            <a:r>
+              <a:rPr lang="en-GB"/>
+              <a:t>Second level</a:t>
+            </a:r>
+          </a:p>
+          <a:p>
+            <a:pPr lvl="2"/>
+            <a:r>
+              <a:rPr lang="en-GB"/>
+              <a:t>Third level</a:t>
+            </a:r>
+          </a:p>
+          <a:p>
+            <a:pPr lvl="3"/>
+            <a:r>
+              <a:rPr lang="en-GB"/>
+              <a:t>Fourth level</a:t>
+            </a:r>
+          </a:p>
+          <a:p>
+            <a:pPr lvl="4"/>
+            <a:r>
+              <a:rPr lang="en-GB"/>
+              <a:t>Fifth level</a:t>
+            </a:r>
+            <a:endParaRPr lang="en-CH"/>
+          </a:p>
+        </p:txBody>
+      </p:sp>
+      <p:sp>
+        <p:nvSpPr>
+          <p:cNvPr id="6" name="Footer Placeholder 5"/>
+          <p:cNvSpPr>
+            <a:spLocks noGrp="1"/>
+          </p:cNvSpPr>
+          <p:nvPr>
+            <p:ph type="ftr" sz="quarter" idx="4"/>
+          </p:nvPr>
+        </p:nvSpPr>
+        <p:spPr>
+          <a:xfrm>
+            <a:off x="0" y="8685213"/>
+            <a:ext cx="2971800" cy="458787"/>
+          </a:xfrm>
+          <a:prstGeom prst="rect">
+            <a:avLst/>
+          </a:prstGeom>
+        </p:spPr>
+        <p:txBody>
+          <a:bodyPr vert="horz" lIns="91440" tIns="45720" rIns="91440" bIns="45720" rtlCol="0" anchor="b"/>
+          <a:lstStyle>
+            <a:lvl1pPr algn="l">
+              <a:defRPr sz="1200"/>
+            </a:lvl1pPr>
+          </a:lstStyle>
+          <a:p>
+            <a:endParaRPr lang="en-CH"/>
+          </a:p>
+        </p:txBody>
+      </p:sp>
+      <p:sp>
+        <p:nvSpPr>
+          <p:cNvPr id="7" name="Slide Number Placeholder 6"/>
+          <p:cNvSpPr>
+            <a:spLocks noGrp="1"/>
+          </p:cNvSpPr>
+          <p:nvPr>
+            <p:ph type="sldNum" sz="quarter" idx="5"/>
+          </p:nvPr>
+        </p:nvSpPr>
+        <p:spPr>
+          <a:xfrm>
+            <a:off x="3884613" y="8685213"/>
+            <a:ext cx="2971800" cy="458787"/>
+          </a:xfrm>
+          <a:prstGeom prst="rect">
+            <a:avLst/>
+          </a:prstGeom>
+        </p:spPr>
+        <p:txBody>
+          <a:bodyPr vert="horz" lIns="91440" tIns="45720" rIns="91440" bIns="45720" rtlCol="0" anchor="b"/>
+          <a:lstStyle>
+            <a:lvl1pPr algn="r">
+              <a:defRPr sz="1200"/>
+            </a:lvl1pPr>
+          </a:lstStyle>
+          <a:p>
+            <a:fld id="{DB8F7B65-4AE1-2E42-B40C-C4BF68368569}" type="slidenum">
+              <a:rPr lang="en-CH" smtClean="0"/>
+              <a:t>‹#›</a:t>
+            </a:fld>
+            <a:endParaRPr lang="en-CH"/>
+          </a:p>
+        </p:txBody>
+      </p:sp>
+    </p:spTree>
+    <p:extLst>
+      <p:ext uri="{BB962C8B-B14F-4D97-AF65-F5344CB8AC3E}">
+        <p14:creationId xmlns:p14="http://schemas.microsoft.com/office/powerpoint/2010/main" val="2873750446"/>
+      </p:ext>
+    </p:extLst>
+  </p:cSld>
+  <p:clrMap bg1="lt1" tx1="dk1" bg2="lt2" tx2="dk2" accent1="accent1" accent2="accent2" accent3="accent3" accent4="accent4" accent5="accent5" accent6="accent6" hlink="hlink" folHlink="folHlink"/>
+  <p:notesStyle>
+    <a:lvl1pPr marL="0" algn="l" defTabSz="914400" rtl="0" eaLnBrk="1" latinLnBrk="0" hangingPunct="1">
+      <a:defRPr sz="1200" kern="1200">
+        <a:solidFill>
+          <a:schemeClr val="tx1"/>
+        </a:solidFill>
+        <a:latin typeface="+mn-lt"/>
+        <a:ea typeface="+mn-ea"/>
+        <a:cs typeface="+mn-cs"/>
+      </a:defRPr>
+    </a:lvl1pPr>
+    <a:lvl2pPr marL="457200" algn="l" defTabSz="914400" rtl="0" eaLnBrk="1" latinLnBrk="0" hangingPunct="1">
+      <a:defRPr sz="1200" kern="1200">
+        <a:solidFill>
+          <a:schemeClr val="tx1"/>
+        </a:solidFill>
+        <a:latin typeface="+mn-lt"/>
+        <a:ea typeface="+mn-ea"/>
+        <a:cs typeface="+mn-cs"/>
+      </a:defRPr>
+    </a:lvl2pPr>
+    <a:lvl3pPr marL="914400" algn="l" defTabSz="914400" rtl="0" eaLnBrk="1" latinLnBrk="0" hangingPunct="1">
+      <a:defRPr sz="1200" kern="1200">
+        <a:solidFill>
+          <a:schemeClr val="tx1"/>
+        </a:solidFill>
+        <a:latin typeface="+mn-lt"/>
+        <a:ea typeface="+mn-ea"/>
+        <a:cs typeface="+mn-cs"/>
+      </a:defRPr>
+    </a:lvl3pPr>
+    <a:lvl4pPr marL="1371600" algn="l" defTabSz="914400" rtl="0" eaLnBrk="1" latinLnBrk="0" hangingPunct="1">
+      <a:defRPr sz="1200" kern="1200">
+        <a:solidFill>
+          <a:schemeClr val="tx1"/>
+        </a:solidFill>
+        <a:latin typeface="+mn-lt"/>
+        <a:ea typeface="+mn-ea"/>
+        <a:cs typeface="+mn-cs"/>
+      </a:defRPr>
+    </a:lvl4pPr>
+    <a:lvl5pPr marL="1828800" algn="l" defTabSz="914400" rtl="0" eaLnBrk="1" latinLnBrk="0" hangingPunct="1">
+      <a:defRPr sz="1200" kern="1200">
+        <a:solidFill>
+          <a:schemeClr val="tx1"/>
+        </a:solidFill>
+        <a:latin typeface="+mn-lt"/>
+        <a:ea typeface="+mn-ea"/>
+        <a:cs typeface="+mn-cs"/>
+      </a:defRPr>
+    </a:lvl5pPr>
+    <a:lvl6pPr marL="2286000" algn="l" defTabSz="914400" rtl="0" eaLnBrk="1" latinLnBrk="0" hangingPunct="1">
+      <a:defRPr sz="1200" kern="1200">
+        <a:solidFill>
+          <a:schemeClr val="tx1"/>
+        </a:solidFill>
+        <a:latin typeface="+mn-lt"/>
+        <a:ea typeface="+mn-ea"/>
+        <a:cs typeface="+mn-cs"/>
+      </a:defRPr>
+    </a:lvl6pPr>
+    <a:lvl7pPr marL="2743200" algn="l" defTabSz="914400" rtl="0" eaLnBrk="1" latinLnBrk="0" hangingPunct="1">
+      <a:defRPr sz="1200" kern="1200">
+        <a:solidFill>
+          <a:schemeClr val="tx1"/>
+        </a:solidFill>
+        <a:latin typeface="+mn-lt"/>
+        <a:ea typeface="+mn-ea"/>
+        <a:cs typeface="+mn-cs"/>
+      </a:defRPr>
+    </a:lvl7pPr>
+    <a:lvl8pPr marL="3200400" algn="l" defTabSz="914400" rtl="0" eaLnBrk="1" latinLnBrk="0" hangingPunct="1">
+      <a:defRPr sz="1200" kern="1200">
+        <a:solidFill>
+          <a:schemeClr val="tx1"/>
+        </a:solidFill>
+        <a:latin typeface="+mn-lt"/>
+        <a:ea typeface="+mn-ea"/>
+        <a:cs typeface="+mn-cs"/>
+      </a:defRPr>
+    </a:lvl8pPr>
+    <a:lvl9pPr marL="3657600" algn="l" defTabSz="914400" rtl="0" eaLnBrk="1" latinLnBrk="0" hangingPunct="1">
+      <a:defRPr sz="1200" kern="1200">
+        <a:solidFill>
+          <a:schemeClr val="tx1"/>
+        </a:solidFill>
+        <a:latin typeface="+mn-lt"/>
+        <a:ea typeface="+mn-ea"/>
+        <a:cs typeface="+mn-cs"/>
+      </a:defRPr>
+    </a:lvl9pPr>
+  </p:notesStyle>
+</p:notesMaster>
+</file>
+
+<file path=ppt/notesSlides/notesSlide1.xml><?xml version="1.0" encoding="utf-8"?>
+<p:notes xmlns:a="http://schemas.openxmlformats.org/drawingml/2006/main" xmlns:r="http://schemas.openxmlformats.org/officeDocument/2006/relationships" xmlns:p="http://schemas.openxmlformats.org/presentationml/2006/main">
+  <p:cSld>
+    <p:spTree>
+      <p:nvGrpSpPr>
+        <p:cNvPr id="1" name=""/>
+        <p:cNvGrpSpPr/>
+        <p:nvPr/>
+      </p:nvGrpSpPr>
+      <p:grpSpPr>
+        <a:xfrm>
+          <a:off x="0" y="0"/>
+          <a:ext cx="0" cy="0"/>
+          <a:chOff x="0" y="0"/>
+          <a:chExt cx="0" cy="0"/>
+        </a:xfrm>
+      </p:grpSpPr>
+      <p:sp>
+        <p:nvSpPr>
+          <p:cNvPr id="2" name="Slide Image Placeholder 1"/>
+          <p:cNvSpPr>
+            <a:spLocks noGrp="1" noRot="1" noChangeAspect="1"/>
+          </p:cNvSpPr>
+          <p:nvPr>
+            <p:ph type="sldImg"/>
+          </p:nvPr>
+        </p:nvSpPr>
+        <p:spPr/>
+      </p:sp>
+      <p:sp>
+        <p:nvSpPr>
+          <p:cNvPr id="3" name="Notes Placeholder 2"/>
+          <p:cNvSpPr>
+            <a:spLocks noGrp="1"/>
+          </p:cNvSpPr>
+          <p:nvPr>
+            <p:ph type="body" idx="1"/>
+          </p:nvPr>
+        </p:nvSpPr>
+        <p:spPr/>
+        <p:txBody>
+          <a:bodyPr/>
+          <a:lstStyle/>
+          <a:p>
+            <a:endParaRPr lang="en-CH" dirty="0"/>
+          </a:p>
+        </p:txBody>
+      </p:sp>
+      <p:sp>
+        <p:nvSpPr>
+          <p:cNvPr id="4" name="Slide Number Placeholder 3"/>
+          <p:cNvSpPr>
+            <a:spLocks noGrp="1"/>
+          </p:cNvSpPr>
+          <p:nvPr>
+            <p:ph type="sldNum" sz="quarter" idx="5"/>
+          </p:nvPr>
+        </p:nvSpPr>
+        <p:spPr/>
+        <p:txBody>
+          <a:bodyPr/>
+          <a:lstStyle/>
+          <a:p>
+            <a:fld id="{DB8F7B65-4AE1-2E42-B40C-C4BF68368569}" type="slidenum">
+              <a:rPr lang="en-CH" smtClean="0"/>
+              <a:t>1</a:t>
+            </a:fld>
+            <a:endParaRPr lang="en-CH"/>
+          </a:p>
+        </p:txBody>
+      </p:sp>
+    </p:spTree>
+    <p:extLst>
+      <p:ext uri="{BB962C8B-B14F-4D97-AF65-F5344CB8AC3E}">
+        <p14:creationId xmlns:p14="http://schemas.microsoft.com/office/powerpoint/2010/main" val="737153655"/>
+      </p:ext>
+    </p:extLst>
+  </p:cSld>
+  <p:clrMapOvr>
+    <a:masterClrMapping/>
+  </p:clrMapOvr>
+</p:notes>
+</file>
+
 <file path=ppt/slideLayouts/slideLayout1.xml><?xml version="1.0" encoding="utf-8"?>
 <p:sldLayout xmlns:a="http://schemas.openxmlformats.org/drawingml/2006/main" xmlns:r="http://schemas.openxmlformats.org/officeDocument/2006/relationships" xmlns:p="http://schemas.openxmlformats.org/presentationml/2006/main" type="title" preserve="1">
   <p:cSld name="Title Slide">
@@ -342,6 +779,18 @@
   <p:clrMapOvr>
     <a:masterClrMapping/>
   </p:clrMapOvr>
+  <mc:AlternateContent xmlns:mc="http://schemas.openxmlformats.org/markup-compatibility/2006">
+    <mc:Choice xmlns:p14="http://schemas.microsoft.com/office/powerpoint/2010/main" Requires="p14">
+      <p:transition p14:dur="400">
+        <p:fade/>
+      </p:transition>
+    </mc:Choice>
+    <mc:Fallback>
+      <p:transition>
+        <p:fade/>
+      </p:transition>
+    </mc:Fallback>
+  </mc:AlternateContent>
 </p:sldLayout>
 </file>
 
@@ -542,6 +991,18 @@
   <p:clrMapOvr>
     <a:masterClrMapping/>
   </p:clrMapOvr>
+  <mc:AlternateContent xmlns:mc="http://schemas.openxmlformats.org/markup-compatibility/2006">
+    <mc:Choice xmlns:p14="http://schemas.microsoft.com/office/powerpoint/2010/main" Requires="p14">
+      <p:transition p14:dur="400">
+        <p:fade/>
+      </p:transition>
+    </mc:Choice>
+    <mc:Fallback>
+      <p:transition>
+        <p:fade/>
+      </p:transition>
+    </mc:Fallback>
+  </mc:AlternateContent>
 </p:sldLayout>
 </file>
 
@@ -752,6 +1213,18 @@
   <p:clrMapOvr>
     <a:masterClrMapping/>
   </p:clrMapOvr>
+  <mc:AlternateContent xmlns:mc="http://schemas.openxmlformats.org/markup-compatibility/2006">
+    <mc:Choice xmlns:p14="http://schemas.microsoft.com/office/powerpoint/2010/main" Requires="p14">
+      <p:transition p14:dur="400">
+        <p:fade/>
+      </p:transition>
+    </mc:Choice>
+    <mc:Fallback>
+      <p:transition>
+        <p:fade/>
+      </p:transition>
+    </mc:Fallback>
+  </mc:AlternateContent>
 </p:sldLayout>
 </file>
 
@@ -952,6 +1425,18 @@
   <p:clrMapOvr>
     <a:masterClrMapping/>
   </p:clrMapOvr>
+  <mc:AlternateContent xmlns:mc="http://schemas.openxmlformats.org/markup-compatibility/2006">
+    <mc:Choice xmlns:p14="http://schemas.microsoft.com/office/powerpoint/2010/main" Requires="p14">
+      <p:transition p14:dur="400">
+        <p:fade/>
+      </p:transition>
+    </mc:Choice>
+    <mc:Fallback>
+      <p:transition>
+        <p:fade/>
+      </p:transition>
+    </mc:Fallback>
+  </mc:AlternateContent>
 </p:sldLayout>
 </file>
 
@@ -1228,6 +1713,18 @@
   <p:clrMapOvr>
     <a:masterClrMapping/>
   </p:clrMapOvr>
+  <mc:AlternateContent xmlns:mc="http://schemas.openxmlformats.org/markup-compatibility/2006">
+    <mc:Choice xmlns:p14="http://schemas.microsoft.com/office/powerpoint/2010/main" Requires="p14">
+      <p:transition p14:dur="400">
+        <p:fade/>
+      </p:transition>
+    </mc:Choice>
+    <mc:Fallback>
+      <p:transition>
+        <p:fade/>
+      </p:transition>
+    </mc:Fallback>
+  </mc:AlternateContent>
 </p:sldLayout>
 </file>
 
@@ -1496,6 +1993,18 @@
   <p:clrMapOvr>
     <a:masterClrMapping/>
   </p:clrMapOvr>
+  <mc:AlternateContent xmlns:mc="http://schemas.openxmlformats.org/markup-compatibility/2006">
+    <mc:Choice xmlns:p14="http://schemas.microsoft.com/office/powerpoint/2010/main" Requires="p14">
+      <p:transition p14:dur="400">
+        <p:fade/>
+      </p:transition>
+    </mc:Choice>
+    <mc:Fallback>
+      <p:transition>
+        <p:fade/>
+      </p:transition>
+    </mc:Fallback>
+  </mc:AlternateContent>
 </p:sldLayout>
 </file>
 
@@ -1911,6 +2420,18 @@
   <p:clrMapOvr>
     <a:masterClrMapping/>
   </p:clrMapOvr>
+  <mc:AlternateContent xmlns:mc="http://schemas.openxmlformats.org/markup-compatibility/2006">
+    <mc:Choice xmlns:p14="http://schemas.microsoft.com/office/powerpoint/2010/main" Requires="p14">
+      <p:transition p14:dur="400">
+        <p:fade/>
+      </p:transition>
+    </mc:Choice>
+    <mc:Fallback>
+      <p:transition>
+        <p:fade/>
+      </p:transition>
+    </mc:Fallback>
+  </mc:AlternateContent>
 </p:sldLayout>
 </file>
 
@@ -2053,6 +2574,18 @@
   <p:clrMapOvr>
     <a:masterClrMapping/>
   </p:clrMapOvr>
+  <mc:AlternateContent xmlns:mc="http://schemas.openxmlformats.org/markup-compatibility/2006">
+    <mc:Choice xmlns:p14="http://schemas.microsoft.com/office/powerpoint/2010/main" Requires="p14">
+      <p:transition p14:dur="400">
+        <p:fade/>
+      </p:transition>
+    </mc:Choice>
+    <mc:Fallback>
+      <p:transition>
+        <p:fade/>
+      </p:transition>
+    </mc:Fallback>
+  </mc:AlternateContent>
 </p:sldLayout>
 </file>
 
@@ -2166,6 +2699,18 @@
   <p:clrMapOvr>
     <a:masterClrMapping/>
   </p:clrMapOvr>
+  <mc:AlternateContent xmlns:mc="http://schemas.openxmlformats.org/markup-compatibility/2006">
+    <mc:Choice xmlns:p14="http://schemas.microsoft.com/office/powerpoint/2010/main" Requires="p14">
+      <p:transition p14:dur="400">
+        <p:fade/>
+      </p:transition>
+    </mc:Choice>
+    <mc:Fallback>
+      <p:transition>
+        <p:fade/>
+      </p:transition>
+    </mc:Fallback>
+  </mc:AlternateContent>
 </p:sldLayout>
 </file>
 
@@ -2479,6 +3024,18 @@
   <p:clrMapOvr>
     <a:masterClrMapping/>
   </p:clrMapOvr>
+  <mc:AlternateContent xmlns:mc="http://schemas.openxmlformats.org/markup-compatibility/2006">
+    <mc:Choice xmlns:p14="http://schemas.microsoft.com/office/powerpoint/2010/main" Requires="p14">
+      <p:transition p14:dur="400">
+        <p:fade/>
+      </p:transition>
+    </mc:Choice>
+    <mc:Fallback>
+      <p:transition>
+        <p:fade/>
+      </p:transition>
+    </mc:Fallback>
+  </mc:AlternateContent>
 </p:sldLayout>
 </file>
 
@@ -2768,6 +3325,18 @@
   <p:clrMapOvr>
     <a:masterClrMapping/>
   </p:clrMapOvr>
+  <mc:AlternateContent xmlns:mc="http://schemas.openxmlformats.org/markup-compatibility/2006">
+    <mc:Choice xmlns:p14="http://schemas.microsoft.com/office/powerpoint/2010/main" Requires="p14">
+      <p:transition p14:dur="400">
+        <p:fade/>
+      </p:transition>
+    </mc:Choice>
+    <mc:Fallback>
+      <p:transition>
+        <p:fade/>
+      </p:transition>
+    </mc:Fallback>
+  </mc:AlternateContent>
 </p:sldLayout>
 </file>
 
@@ -3058,6 +3627,18 @@
     <p:sldLayoutId id="2147483658" r:id="rId10"/>
     <p:sldLayoutId id="2147483659" r:id="rId11"/>
   </p:sldLayoutIdLst>
+  <mc:AlternateContent xmlns:mc="http://schemas.openxmlformats.org/markup-compatibility/2006">
+    <mc:Choice xmlns:p14="http://schemas.microsoft.com/office/powerpoint/2010/main" Requires="p14">
+      <p:transition p14:dur="400">
+        <p:fade/>
+      </p:transition>
+    </mc:Choice>
+    <mc:Fallback>
+      <p:transition>
+        <p:fade/>
+      </p:transition>
+    </mc:Fallback>
+  </mc:AlternateContent>
   <p:txStyles>
     <p:titleStyle>
       <a:lvl1pPr algn="l" defTabSz="914400" rtl="0" eaLnBrk="1" latinLnBrk="0" hangingPunct="1">
@@ -3387,7 +3968,7 @@
         </p:nvSpPr>
         <p:spPr>
           <a:xfrm>
-            <a:off x="7464614" y="1783959"/>
+            <a:off x="7464611" y="1136006"/>
             <a:ext cx="4087306" cy="2889114"/>
           </a:xfrm>
         </p:spPr>
@@ -3399,7 +3980,7 @@
           <a:p>
             <a:pPr algn="l"/>
             <a:r>
-              <a:rPr lang="en-CH" sz="5400"/>
+              <a:rPr lang="en-CH" sz="5400" dirty="0"/>
               <a:t>FUNKY FASHION STORE</a:t>
             </a:r>
           </a:p>
@@ -3424,15 +4005,16 @@
         <p:spPr>
           <a:xfrm>
             <a:off x="7464612" y="4750893"/>
-            <a:ext cx="4087305" cy="1147863"/>
+            <a:ext cx="4087305" cy="1383459"/>
           </a:xfrm>
         </p:spPr>
         <p:txBody>
           <a:bodyPr anchor="t">
-            <a:normAutofit fontScale="62500" lnSpcReduction="20000"/>
+            <a:normAutofit fontScale="85000" lnSpcReduction="20000"/>
           </a:bodyPr>
           <a:lstStyle/>
           <a:p>
+            <a:pPr algn="l"/>
             <a:r>
               <a:rPr lang="en-GB" dirty="0" err="1"/>
               <a:t>Brites</a:t>
@@ -3451,6 +4033,7 @@
             </a:r>
           </a:p>
           <a:p>
+            <a:pPr algn="l"/>
             <a:r>
               <a:rPr lang="en-GB" dirty="0"/>
               <a:t>Le </a:t>
@@ -3462,6 +4045,7 @@
             <a:endParaRPr lang="en-GB" dirty="0"/>
           </a:p>
           <a:p>
+            <a:pPr algn="l"/>
             <a:r>
               <a:rPr lang="en-GB" dirty="0"/>
               <a:t>Rodolfo </a:t>
@@ -3476,6 +4060,7 @@
             </a:r>
           </a:p>
           <a:p>
+            <a:pPr algn="l"/>
             <a:r>
               <a:rPr lang="en-GB" dirty="0" err="1"/>
               <a:t>Taillefert</a:t>
@@ -3641,7 +4226,7 @@
           <p:nvPr/>
         </p:nvPicPr>
         <p:blipFill rotWithShape="1">
-          <a:blip r:embed="rId2"/>
+          <a:blip r:embed="rId3"/>
           <a:srcRect r="31847"/>
           <a:stretch/>
         </p:blipFill>
@@ -3699,6 +4284,18 @@
   <p:clrMapOvr>
     <a:overrideClrMapping bg1="dk1" tx1="lt1" bg2="dk2" tx2="lt2" accent1="accent1" accent2="accent2" accent3="accent3" accent4="accent4" accent5="accent5" accent6="accent6" hlink="hlink" folHlink="folHlink"/>
   </p:clrMapOvr>
+  <mc:AlternateContent xmlns:mc="http://schemas.openxmlformats.org/markup-compatibility/2006">
+    <mc:Choice xmlns:p14="http://schemas.microsoft.com/office/powerpoint/2010/main" Requires="p14">
+      <p:transition p14:dur="400">
+        <p:fade/>
+      </p:transition>
+    </mc:Choice>
+    <mc:Fallback>
+      <p:transition>
+        <p:fade/>
+      </p:transition>
+    </mc:Fallback>
+  </mc:AlternateContent>
   <p:timing>
     <p:tnLst>
       <p:par>
@@ -4057,36 +4654,58 @@
           <a:p>
             <a:r>
               <a:rPr lang="en-CH" dirty="0"/>
-              <a:t>Report and conclusion</a:t>
-            </a:r>
-          </a:p>
-        </p:txBody>
-      </p:sp>
-      <p:sp>
-        <p:nvSpPr>
-          <p:cNvPr id="3" name="Content Placeholder 2">
-            <a:extLst>
-              <a:ext uri="{FF2B5EF4-FFF2-40B4-BE49-F238E27FC236}">
-                <a16:creationId xmlns:a16="http://schemas.microsoft.com/office/drawing/2014/main" id="{34ECA614-9545-F649-A4F2-5B3D45364518}"/>
-              </a:ext>
-            </a:extLst>
-          </p:cNvPr>
-          <p:cNvSpPr>
-            <a:spLocks noGrp="1"/>
-          </p:cNvSpPr>
-          <p:nvPr>
-            <p:ph idx="1"/>
-          </p:nvPr>
-        </p:nvSpPr>
-        <p:spPr/>
-        <p:txBody>
-          <a:bodyPr/>
-          <a:lstStyle/>
-          <a:p>
-            <a:endParaRPr lang="en-CH"/>
-          </a:p>
-        </p:txBody>
-      </p:sp>
+              <a:t>Conclusion</a:t>
+            </a:r>
+          </a:p>
+        </p:txBody>
+      </p:sp>
+      <p:pic>
+        <p:nvPicPr>
+          <p:cNvPr id="2052" name="Picture 4" descr="Harold Thumbs Up , Png Download - Thumbs Up Meme Png, Transparent Png -  kindpng">
+            <a:extLst>
+              <a:ext uri="{FF2B5EF4-FFF2-40B4-BE49-F238E27FC236}">
+                <a16:creationId xmlns:a16="http://schemas.microsoft.com/office/drawing/2014/main" id="{A9DBD285-3F11-1741-A9D7-7B960C2E0CB2}"/>
+              </a:ext>
+            </a:extLst>
+          </p:cNvPr>
+          <p:cNvPicPr>
+            <a:picLocks noChangeAspect="1" noChangeArrowheads="1"/>
+          </p:cNvPicPr>
+          <p:nvPr/>
+        </p:nvPicPr>
+        <p:blipFill>
+          <a:blip r:embed="rId2">
+            <a:extLst>
+              <a:ext uri="{28A0092B-C50C-407E-A947-70E740481C1C}">
+                <a14:useLocalDpi xmlns:a14="http://schemas.microsoft.com/office/drawing/2010/main" val="0"/>
+              </a:ext>
+            </a:extLst>
+          </a:blip>
+          <a:srcRect/>
+          <a:stretch>
+            <a:fillRect/>
+          </a:stretch>
+        </p:blipFill>
+        <p:spPr bwMode="auto">
+          <a:xfrm>
+            <a:off x="4673600" y="1651000"/>
+            <a:ext cx="2844800" cy="3556000"/>
+          </a:xfrm>
+          <a:prstGeom prst="rect">
+            <a:avLst/>
+          </a:prstGeom>
+          <a:noFill/>
+          <a:extLst>
+            <a:ext uri="{909E8E84-426E-40DD-AFC4-6F175D3DCCD1}">
+              <a14:hiddenFill xmlns:a14="http://schemas.microsoft.com/office/drawing/2010/main">
+                <a:solidFill>
+                  <a:srgbClr val="FFFFFF"/>
+                </a:solidFill>
+              </a14:hiddenFill>
+            </a:ext>
+          </a:extLst>
+        </p:spPr>
+      </p:pic>
     </p:spTree>
     <p:extLst>
       <p:ext uri="{BB962C8B-B14F-4D97-AF65-F5344CB8AC3E}">
@@ -4097,6 +4716,18 @@
   <p:clrMapOvr>
     <a:masterClrMapping/>
   </p:clrMapOvr>
+  <mc:AlternateContent xmlns:mc="http://schemas.openxmlformats.org/markup-compatibility/2006">
+    <mc:Choice xmlns:p14="http://schemas.microsoft.com/office/powerpoint/2010/main" Requires="p14">
+      <p:transition p14:dur="400">
+        <p:fade/>
+      </p:transition>
+    </mc:Choice>
+    <mc:Fallback>
+      <p:transition>
+        <p:fade/>
+      </p:transition>
+    </mc:Fallback>
+  </mc:AlternateContent>
 </p:sld>
 </file>
 
@@ -4142,31 +4773,6 @@
               <a:rPr lang="en-CH" dirty="0"/>
               <a:t>The real solution</a:t>
             </a:r>
-          </a:p>
-        </p:txBody>
-      </p:sp>
-      <p:sp>
-        <p:nvSpPr>
-          <p:cNvPr id="3" name="Content Placeholder 2">
-            <a:extLst>
-              <a:ext uri="{FF2B5EF4-FFF2-40B4-BE49-F238E27FC236}">
-                <a16:creationId xmlns:a16="http://schemas.microsoft.com/office/drawing/2014/main" id="{01928309-CBD4-6B42-A0D1-BCA3F8D5C08C}"/>
-              </a:ext>
-            </a:extLst>
-          </p:cNvPr>
-          <p:cNvSpPr>
-            <a:spLocks noGrp="1"/>
-          </p:cNvSpPr>
-          <p:nvPr>
-            <p:ph idx="1"/>
-          </p:nvPr>
-        </p:nvSpPr>
-        <p:spPr/>
-        <p:txBody>
-          <a:bodyPr/>
-          <a:lstStyle/>
-          <a:p>
-            <a:endParaRPr lang="en-CH"/>
           </a:p>
         </p:txBody>
       </p:sp>
@@ -4227,6 +4833,18 @@
   <p:clrMapOvr>
     <a:masterClrMapping/>
   </p:clrMapOvr>
+  <mc:AlternateContent xmlns:mc="http://schemas.openxmlformats.org/markup-compatibility/2006">
+    <mc:Choice xmlns:p14="http://schemas.microsoft.com/office/powerpoint/2010/main" Requires="p14">
+      <p:transition p14:dur="400">
+        <p:fade/>
+      </p:transition>
+    </mc:Choice>
+    <mc:Fallback>
+      <p:transition>
+        <p:fade/>
+      </p:transition>
+    </mc:Fallback>
+  </mc:AlternateContent>
 </p:sld>
 </file>
 
@@ -4268,32 +4886,10 @@
           <a:bodyPr/>
           <a:lstStyle/>
           <a:p>
-            <a:endParaRPr lang="en-CH"/>
-          </a:p>
-        </p:txBody>
-      </p:sp>
-      <p:sp>
-        <p:nvSpPr>
-          <p:cNvPr id="3" name="Content Placeholder 2">
-            <a:extLst>
-              <a:ext uri="{FF2B5EF4-FFF2-40B4-BE49-F238E27FC236}">
-                <a16:creationId xmlns:a16="http://schemas.microsoft.com/office/drawing/2014/main" id="{14D1AE28-0EBE-7E4E-8CF3-12D5FF422399}"/>
-              </a:ext>
-            </a:extLst>
-          </p:cNvPr>
-          <p:cNvSpPr>
-            <a:spLocks noGrp="1"/>
-          </p:cNvSpPr>
-          <p:nvPr>
-            <p:ph idx="1"/>
-          </p:nvPr>
-        </p:nvSpPr>
-        <p:spPr/>
-        <p:txBody>
-          <a:bodyPr/>
-          <a:lstStyle/>
-          <a:p>
-            <a:endParaRPr lang="en-CH"/>
+            <a:r>
+              <a:rPr lang="en-CH" dirty="0"/>
+              <a:t>Questions?</a:t>
+            </a:r>
           </a:p>
         </p:txBody>
       </p:sp>
@@ -4326,8 +4922,8 @@
         </p:blipFill>
         <p:spPr bwMode="auto">
           <a:xfrm>
-            <a:off x="1082675" y="0"/>
-            <a:ext cx="10026650" cy="6858000"/>
+            <a:off x="2185441" y="1508534"/>
+            <a:ext cx="7821118" cy="5349466"/>
           </a:xfrm>
           <a:prstGeom prst="rect">
             <a:avLst/>
@@ -4354,6 +4950,18 @@
   <p:clrMapOvr>
     <a:masterClrMapping/>
   </p:clrMapOvr>
+  <mc:AlternateContent xmlns:mc="http://schemas.openxmlformats.org/markup-compatibility/2006">
+    <mc:Choice xmlns:p14="http://schemas.microsoft.com/office/powerpoint/2010/main" Requires="p14">
+      <p:transition p14:dur="400">
+        <p:fade/>
+      </p:transition>
+    </mc:Choice>
+    <mc:Fallback>
+      <p:transition>
+        <p:fade/>
+      </p:transition>
+    </mc:Fallback>
+  </mc:AlternateContent>
 </p:sld>
 </file>
 
@@ -4397,7 +5005,7 @@
           <a:p>
             <a:r>
               <a:rPr lang="en-CH" dirty="0"/>
-              <a:t>The problem:</a:t>
+              <a:t>The problem</a:t>
             </a:r>
           </a:p>
         </p:txBody>
@@ -4459,6 +5067,18 @@
   <p:clrMapOvr>
     <a:masterClrMapping/>
   </p:clrMapOvr>
+  <mc:AlternateContent xmlns:mc="http://schemas.openxmlformats.org/markup-compatibility/2006">
+    <mc:Choice xmlns:p14="http://schemas.microsoft.com/office/powerpoint/2010/main" Requires="p14">
+      <p:transition p14:dur="400">
+        <p:fade/>
+      </p:transition>
+    </mc:Choice>
+    <mc:Fallback>
+      <p:transition>
+        <p:fade/>
+      </p:transition>
+    </mc:Fallback>
+  </mc:AlternateContent>
 </p:sld>
 </file>
 
@@ -4502,7 +5122,7 @@
           <a:p>
             <a:r>
               <a:rPr lang="en-CH" dirty="0"/>
-              <a:t>The problem:</a:t>
+              <a:t>The problem</a:t>
             </a:r>
           </a:p>
         </p:txBody>
@@ -4528,24 +5148,36 @@
           <a:bodyPr/>
           <a:lstStyle/>
           <a:p>
+            <a:pPr marL="0" indent="0">
+              <a:buNone/>
+            </a:pPr>
             <a:r>
               <a:rPr lang="en-CH" dirty="0"/>
               <a:t>How can we dress this manequin?</a:t>
             </a:r>
           </a:p>
           <a:p>
+            <a:pPr marL="0" indent="0">
+              <a:buNone/>
+            </a:pPr>
             <a:r>
               <a:rPr lang="en-CH" dirty="0"/>
               <a:t>With some style</a:t>
             </a:r>
           </a:p>
           <a:p>
+            <a:pPr marL="0" indent="0">
+              <a:buNone/>
+            </a:pPr>
             <a:r>
               <a:rPr lang="en-CH" dirty="0"/>
               <a:t>Meaning</a:t>
             </a:r>
           </a:p>
           <a:p>
+            <a:pPr marL="0" indent="0">
+              <a:buNone/>
+            </a:pPr>
             <a:r>
               <a:rPr lang="en-CH" dirty="0"/>
               <a:t>OPTIMIZING SOME CONSTRAINTS</a:t>
@@ -4657,6 +5289,18 @@
   <p:clrMapOvr>
     <a:masterClrMapping/>
   </p:clrMapOvr>
+  <mc:AlternateContent xmlns:mc="http://schemas.openxmlformats.org/markup-compatibility/2006">
+    <mc:Choice xmlns:p14="http://schemas.microsoft.com/office/powerpoint/2010/main" Requires="p14">
+      <p:transition p14:dur="400">
+        <p:fade/>
+      </p:transition>
+    </mc:Choice>
+    <mc:Fallback>
+      <p:transition>
+        <p:fade/>
+      </p:transition>
+    </mc:Fallback>
+  </mc:AlternateContent>
 </p:sld>
 </file>
 
@@ -4726,6 +5370,9 @@
           <a:bodyPr/>
           <a:lstStyle/>
           <a:p>
+            <a:pPr marL="0" indent="0">
+              <a:buNone/>
+            </a:pPr>
             <a:r>
               <a:rPr lang="en-GB" dirty="0"/>
               <a:t>Given a set of </a:t>
@@ -4736,10 +5383,22 @@
             </a:r>
             <a:r>
               <a:rPr lang="en-GB" dirty="0"/>
-              <a:t> garments find a combination to dress your mannequin. </a:t>
-            </a:r>
-          </a:p>
-          <a:p>
+              <a:t> garments find a combination to dress your mannequin.</a:t>
+            </a:r>
+          </a:p>
+          <a:p>
+            <a:pPr marL="0" indent="0">
+              <a:buNone/>
+            </a:pPr>
+            <a:r>
+              <a:rPr lang="en-GB" dirty="0"/>
+              <a:t> </a:t>
+            </a:r>
+          </a:p>
+          <a:p>
+            <a:pPr marL="0" indent="0">
+              <a:buNone/>
+            </a:pPr>
             <a:r>
               <a:rPr lang="en-GB" dirty="0"/>
               <a:t>Constraints: some </a:t>
@@ -4766,7 +5425,7 @@
             </a:r>
             <a:r>
               <a:rPr lang="en-GB" dirty="0"/>
-              <a:t> is dull, . . .</a:t>
+              <a:t> is dull, ...</a:t>
             </a:r>
             <a:endParaRPr lang="en-CH" dirty="0"/>
           </a:p>
@@ -4782,6 +5441,18 @@
   <p:clrMapOvr>
     <a:masterClrMapping/>
   </p:clrMapOvr>
+  <mc:AlternateContent xmlns:mc="http://schemas.openxmlformats.org/markup-compatibility/2006">
+    <mc:Choice xmlns:p14="http://schemas.microsoft.com/office/powerpoint/2010/main" Requires="p14">
+      <p:transition p14:dur="400">
+        <p:fade/>
+      </p:transition>
+    </mc:Choice>
+    <mc:Fallback>
+      <p:transition>
+        <p:fade/>
+      </p:transition>
+    </mc:Fallback>
+  </mc:AlternateContent>
 </p:sld>
 </file>
 
@@ -4825,7 +5496,7 @@
           <a:p>
             <a:r>
               <a:rPr lang="en-CH" dirty="0"/>
-              <a:t>Our inventory:</a:t>
+              <a:t>Our inventory</a:t>
             </a:r>
           </a:p>
         </p:txBody>
@@ -4848,7 +5519,7 @@
         </p:nvSpPr>
         <p:spPr>
           <a:xfrm>
-            <a:off x="838200" y="1825625"/>
+            <a:off x="3189300" y="1825625"/>
             <a:ext cx="2000250" cy="4351338"/>
           </a:xfrm>
         </p:spPr>
@@ -4873,12 +5544,18 @@
             <a:endParaRPr lang="en-CH" dirty="0"/>
           </a:p>
           <a:p>
+            <a:pPr marL="0" indent="0">
+              <a:buNone/>
+            </a:pPr>
             <a:r>
               <a:rPr lang="en-CH" dirty="0"/>
               <a:t>Pants</a:t>
             </a:r>
           </a:p>
           <a:p>
+            <a:pPr marL="0" indent="0">
+              <a:buNone/>
+            </a:pPr>
             <a:r>
               <a:rPr lang="en-GB" dirty="0"/>
               <a:t>S</a:t>
@@ -4889,6 +5566,9 @@
             </a:r>
           </a:p>
           <a:p>
+            <a:pPr marL="0" indent="0">
+              <a:buNone/>
+            </a:pPr>
             <a:r>
               <a:rPr lang="en-GB" dirty="0"/>
               <a:t>J</a:t>
@@ -4899,6 +5579,9 @@
             </a:r>
           </a:p>
           <a:p>
+            <a:pPr marL="0" indent="0">
+              <a:buNone/>
+            </a:pPr>
             <a:r>
               <a:rPr lang="en-GB" dirty="0"/>
               <a:t>S</a:t>
@@ -4909,12 +5592,18 @@
             </a:r>
           </a:p>
           <a:p>
+            <a:pPr marL="0" indent="0">
+              <a:buNone/>
+            </a:pPr>
             <a:r>
               <a:rPr lang="en-CH" dirty="0"/>
               <a:t>Ties</a:t>
             </a:r>
           </a:p>
           <a:p>
+            <a:pPr marL="0" indent="0">
+              <a:buNone/>
+            </a:pPr>
             <a:r>
               <a:rPr lang="en-GB" dirty="0"/>
               <a:t>G</a:t>
@@ -4925,24 +5614,36 @@
             </a:r>
           </a:p>
           <a:p>
+            <a:pPr marL="0" indent="0">
+              <a:buNone/>
+            </a:pPr>
             <a:r>
               <a:rPr lang="en-CH" dirty="0"/>
               <a:t>Shirts</a:t>
             </a:r>
           </a:p>
           <a:p>
+            <a:pPr marL="0" indent="0">
+              <a:buNone/>
+            </a:pPr>
             <a:r>
               <a:rPr lang="en-CH" dirty="0"/>
               <a:t>Hat</a:t>
             </a:r>
           </a:p>
           <a:p>
+            <a:pPr marL="0" indent="0">
+              <a:buNone/>
+            </a:pPr>
             <a:r>
               <a:rPr lang="en-CH" dirty="0"/>
               <a:t>Sweater</a:t>
             </a:r>
           </a:p>
           <a:p>
+            <a:pPr marL="0" indent="0">
+              <a:buNone/>
+            </a:pPr>
             <a:r>
               <a:rPr lang="en-GB" dirty="0"/>
               <a:t>S</a:t>
@@ -4970,7 +5671,7 @@
         </p:nvSpPr>
         <p:spPr>
           <a:xfrm>
-            <a:off x="4095750" y="1825625"/>
+            <a:off x="7002451" y="1825625"/>
             <a:ext cx="2000250" cy="4351338"/>
           </a:xfrm>
           <a:prstGeom prst="rect">
@@ -5158,60 +5859,90 @@
             <a:endParaRPr lang="en-US" dirty="0"/>
           </a:p>
           <a:p>
+            <a:pPr marL="0" indent="0">
+              <a:buNone/>
+            </a:pPr>
             <a:r>
               <a:rPr lang="en-US" dirty="0"/>
               <a:t>Red</a:t>
             </a:r>
           </a:p>
           <a:p>
+            <a:pPr marL="0" indent="0">
+              <a:buNone/>
+            </a:pPr>
             <a:r>
               <a:rPr lang="en-US" dirty="0"/>
               <a:t>Yellow</a:t>
             </a:r>
           </a:p>
           <a:p>
+            <a:pPr marL="0" indent="0">
+              <a:buNone/>
+            </a:pPr>
             <a:r>
               <a:rPr lang="en-US" dirty="0"/>
               <a:t>Orange</a:t>
             </a:r>
           </a:p>
           <a:p>
+            <a:pPr marL="0" indent="0">
+              <a:buNone/>
+            </a:pPr>
             <a:r>
               <a:rPr lang="en-US" dirty="0"/>
               <a:t>Green</a:t>
             </a:r>
           </a:p>
           <a:p>
+            <a:pPr marL="0" indent="0">
+              <a:buNone/>
+            </a:pPr>
             <a:r>
               <a:rPr lang="en-US" dirty="0"/>
               <a:t>Blue</a:t>
             </a:r>
           </a:p>
           <a:p>
+            <a:pPr marL="0" indent="0">
+              <a:buNone/>
+            </a:pPr>
             <a:r>
               <a:rPr lang="en-US" dirty="0"/>
               <a:t>Purple</a:t>
             </a:r>
           </a:p>
           <a:p>
+            <a:pPr marL="0" indent="0">
+              <a:buNone/>
+            </a:pPr>
             <a:r>
               <a:rPr lang="en-US" dirty="0"/>
               <a:t>Brown</a:t>
             </a:r>
           </a:p>
           <a:p>
+            <a:pPr marL="0" indent="0">
+              <a:buNone/>
+            </a:pPr>
             <a:r>
               <a:rPr lang="en-US" dirty="0"/>
               <a:t>Pink</a:t>
             </a:r>
           </a:p>
           <a:p>
+            <a:pPr marL="0" indent="0">
+              <a:buNone/>
+            </a:pPr>
             <a:r>
               <a:rPr lang="en-US" dirty="0"/>
               <a:t>White</a:t>
             </a:r>
           </a:p>
           <a:p>
+            <a:pPr marL="0" indent="0">
+              <a:buNone/>
+            </a:pPr>
             <a:r>
               <a:rPr lang="en-US" dirty="0"/>
               <a:t>Black</a:t>
@@ -5230,6 +5961,18 @@
   <p:clrMapOvr>
     <a:masterClrMapping/>
   </p:clrMapOvr>
+  <mc:AlternateContent xmlns:mc="http://schemas.openxmlformats.org/markup-compatibility/2006">
+    <mc:Choice xmlns:p14="http://schemas.microsoft.com/office/powerpoint/2010/main" Requires="p14">
+      <p:transition p14:dur="400">
+        <p:fade/>
+      </p:transition>
+    </mc:Choice>
+    <mc:Fallback>
+      <p:transition>
+        <p:fade/>
+      </p:transition>
+    </mc:Fallback>
+  </mc:AlternateContent>
 </p:sld>
 </file>
 
@@ -5273,7 +6016,7 @@
           <a:p>
             <a:r>
               <a:rPr lang="en-CH" dirty="0"/>
-              <a:t>Our application constraints for color:</a:t>
+              <a:t>Colors constraints</a:t>
             </a:r>
           </a:p>
         </p:txBody>
@@ -5968,24 +6711,36 @@
           <a:bodyPr/>
           <a:lstStyle/>
           <a:p>
+            <a:pPr marL="0" indent="0">
+              <a:buNone/>
+            </a:pPr>
             <a:r>
               <a:rPr lang="en-CH" dirty="0"/>
               <a:t>Yellow cannot go with white</a:t>
             </a:r>
           </a:p>
           <a:p>
+            <a:pPr marL="0" indent="0">
+              <a:buNone/>
+            </a:pPr>
             <a:r>
               <a:rPr lang="en-CH" dirty="0"/>
               <a:t>Blue cannot go with purple</a:t>
             </a:r>
           </a:p>
           <a:p>
+            <a:pPr marL="0" indent="0">
+              <a:buNone/>
+            </a:pPr>
             <a:r>
               <a:rPr lang="en-CH" dirty="0"/>
               <a:t>Blue cannot go with black</a:t>
             </a:r>
           </a:p>
           <a:p>
+            <a:pPr marL="0" indent="0">
+              <a:buNone/>
+            </a:pPr>
             <a:r>
               <a:rPr lang="en-GB" dirty="0"/>
               <a:t>R</a:t>
@@ -5996,6 +6751,9 @@
             </a:r>
           </a:p>
           <a:p>
+            <a:pPr marL="0" indent="0">
+              <a:buNone/>
+            </a:pPr>
             <a:r>
               <a:rPr lang="en-GB" dirty="0"/>
               <a:t>R</a:t>
@@ -6006,12 +6764,18 @@
             </a:r>
           </a:p>
           <a:p>
+            <a:pPr marL="0" indent="0">
+              <a:buNone/>
+            </a:pPr>
             <a:r>
               <a:rPr lang="en-CH" dirty="0"/>
               <a:t>Green cannot go with pink</a:t>
             </a:r>
           </a:p>
           <a:p>
+            <a:pPr marL="0" indent="0">
+              <a:buNone/>
+            </a:pPr>
             <a:r>
               <a:rPr lang="en-CH" dirty="0"/>
               <a:t>Green cannot go with orange</a:t>
@@ -6032,6 +6796,18 @@
   <p:clrMapOvr>
     <a:masterClrMapping/>
   </p:clrMapOvr>
+  <mc:AlternateContent xmlns:mc="http://schemas.openxmlformats.org/markup-compatibility/2006">
+    <mc:Choice xmlns:p14="http://schemas.microsoft.com/office/powerpoint/2010/main" Requires="p14">
+      <p:transition p14:dur="400">
+        <p:fade/>
+      </p:transition>
+    </mc:Choice>
+    <mc:Fallback>
+      <p:transition>
+        <p:fade/>
+      </p:transition>
+    </mc:Fallback>
+  </mc:AlternateContent>
 </p:sld>
 </file>
 
@@ -6075,33 +6851,8 @@
           <a:p>
             <a:r>
               <a:rPr lang="en-CH" dirty="0"/>
-              <a:t>Constraints for clothes</a:t>
-            </a:r>
-          </a:p>
-        </p:txBody>
-      </p:sp>
-      <p:sp>
-        <p:nvSpPr>
-          <p:cNvPr id="3" name="Content Placeholder 2">
-            <a:extLst>
-              <a:ext uri="{FF2B5EF4-FFF2-40B4-BE49-F238E27FC236}">
-                <a16:creationId xmlns:a16="http://schemas.microsoft.com/office/drawing/2014/main" id="{E78600D0-1C49-4842-BB87-0F40504E5935}"/>
-              </a:ext>
-            </a:extLst>
-          </p:cNvPr>
-          <p:cNvSpPr>
-            <a:spLocks noGrp="1"/>
-          </p:cNvSpPr>
-          <p:nvPr>
-            <p:ph idx="1"/>
-          </p:nvPr>
-        </p:nvSpPr>
-        <p:spPr/>
-        <p:txBody>
-          <a:bodyPr/>
-          <a:lstStyle/>
-          <a:p>
-            <a:endParaRPr lang="en-CH"/>
+              <a:t>Garments constraints</a:t>
+            </a:r>
           </a:p>
         </p:txBody>
       </p:sp>
@@ -6795,6 +7546,18 @@
   <p:clrMapOvr>
     <a:masterClrMapping/>
   </p:clrMapOvr>
+  <mc:AlternateContent xmlns:mc="http://schemas.openxmlformats.org/markup-compatibility/2006">
+    <mc:Choice xmlns:p14="http://schemas.microsoft.com/office/powerpoint/2010/main" Requires="p14">
+      <p:transition p14:dur="400">
+        <p:fade/>
+      </p:transition>
+    </mc:Choice>
+    <mc:Fallback>
+      <p:transition>
+        <p:fade/>
+      </p:transition>
+    </mc:Fallback>
+  </mc:AlternateContent>
 </p:sld>
 </file>
 
@@ -6864,6 +7627,9 @@
           <a:bodyPr/>
           <a:lstStyle/>
           <a:p>
+            <a:pPr marL="0" indent="0">
+              <a:buNone/>
+            </a:pPr>
             <a:r>
               <a:rPr lang="en-CH" dirty="0"/>
               <a:t>Let’s dress a Vietnamese</a:t>
@@ -6874,14 +7640,18 @@
             <a:endParaRPr lang="en-CH" dirty="0"/>
           </a:p>
           <a:p>
-            <a:pPr lvl="5"/>
+            <a:pPr marL="2286000" lvl="5" indent="0">
+              <a:buNone/>
+            </a:pPr>
             <a:r>
               <a:rPr lang="en-CH" dirty="0"/>
               <a:t>Black/blue hat</a:t>
             </a:r>
           </a:p>
           <a:p>
-            <a:pPr lvl="5"/>
+            <a:pPr marL="2286000" lvl="5" indent="0">
+              <a:buNone/>
+            </a:pPr>
             <a:r>
               <a:rPr lang="en-GB" dirty="0"/>
               <a:t>B</a:t>
@@ -6892,7 +7662,9 @@
             </a:r>
           </a:p>
           <a:p>
-            <a:pPr lvl="5"/>
+            <a:pPr marL="2286000" lvl="5" indent="0">
+              <a:buNone/>
+            </a:pPr>
             <a:r>
               <a:rPr lang="en-GB" dirty="0"/>
               <a:t>B</a:t>
@@ -6903,10 +7675,12 @@
             </a:r>
           </a:p>
           <a:p>
-            <a:pPr lvl="5"/>
+            <a:pPr marL="2286000" lvl="5" indent="0">
+              <a:buNone/>
+            </a:pPr>
             <a:r>
               <a:rPr lang="en-CH" dirty="0"/>
-              <a:t>Mosin Nagant</a:t>
+              <a:t>Mosin Nagant (optional)</a:t>
             </a:r>
           </a:p>
         </p:txBody>
@@ -7015,6 +7789,18 @@
   <p:clrMapOvr>
     <a:masterClrMapping/>
   </p:clrMapOvr>
+  <mc:AlternateContent xmlns:mc="http://schemas.openxmlformats.org/markup-compatibility/2006">
+    <mc:Choice xmlns:p14="http://schemas.microsoft.com/office/powerpoint/2010/main" Requires="p14">
+      <p:transition p14:dur="400">
+        <p:fade/>
+      </p:transition>
+    </mc:Choice>
+    <mc:Fallback>
+      <p:transition>
+        <p:fade/>
+      </p:transition>
+    </mc:Fallback>
+  </mc:AlternateContent>
   <p:timing>
     <p:tnLst>
       <p:par>
@@ -7292,6 +8078,14 @@
 <file path=ppt/slides/slide9.xml><?xml version="1.0" encoding="utf-8"?>
 <p:sld xmlns:a="http://schemas.openxmlformats.org/drawingml/2006/main" xmlns:r="http://schemas.openxmlformats.org/officeDocument/2006/relationships" xmlns:p="http://schemas.openxmlformats.org/presentationml/2006/main">
   <p:cSld>
+    <p:bg>
+      <p:bgPr>
+        <a:solidFill>
+          <a:schemeClr val="bg1"/>
+        </a:solidFill>
+        <a:effectLst/>
+      </p:bgPr>
+    </p:bg>
     <p:spTree>
       <p:nvGrpSpPr>
         <p:cNvPr id="1" name=""/>
@@ -7306,65 +8100,72 @@
           <a:chExt cx="0" cy="0"/>
         </a:xfrm>
       </p:grpSpPr>
-      <p:sp>
-        <p:nvSpPr>
-          <p:cNvPr id="2" name="Title 1">
-            <a:extLst>
-              <a:ext uri="{FF2B5EF4-FFF2-40B4-BE49-F238E27FC236}">
-                <a16:creationId xmlns:a16="http://schemas.microsoft.com/office/drawing/2014/main" id="{DAFE9CDC-B471-A84D-999D-473CE17DEF61}"/>
-              </a:ext>
-            </a:extLst>
-          </p:cNvPr>
-          <p:cNvSpPr>
-            <a:spLocks noGrp="1"/>
-          </p:cNvSpPr>
-          <p:nvPr>
-            <p:ph type="title"/>
-          </p:nvPr>
-        </p:nvSpPr>
-        <p:spPr/>
-        <p:txBody>
-          <a:bodyPr/>
+      <p:sp useBgFill="1">
+        <p:nvSpPr>
+          <p:cNvPr id="135" name="Rectangle 134">
+            <a:extLst>
+              <a:ext uri="{FF2B5EF4-FFF2-40B4-BE49-F238E27FC236}">
+                <a16:creationId xmlns:a16="http://schemas.microsoft.com/office/drawing/2014/main" id="{53F29798-D584-4792-9B62-3F5F5C36D619}"/>
+              </a:ext>
+              <a:ext uri="{C183D7F6-B498-43B3-948B-1728B52AA6E4}">
+                <adec:decorative xmlns:adec="http://schemas.microsoft.com/office/drawing/2017/decorative" val="1"/>
+              </a:ext>
+            </a:extLst>
+          </p:cNvPr>
+          <p:cNvSpPr>
+            <a:spLocks noGrp="1" noRot="1" noChangeAspect="1" noMove="1" noResize="1" noEditPoints="1" noAdjustHandles="1" noChangeArrowheads="1" noChangeShapeType="1" noTextEdit="1"/>
+          </p:cNvSpPr>
+          <p:nvPr>
+            <p:extLst>
+              <p:ext uri="{386F3935-93C4-4BCD-93E2-E3B085C9AB24}">
+                <p16:designElem xmlns:p16="http://schemas.microsoft.com/office/powerpoint/2015/main" val="1"/>
+              </p:ext>
+            </p:extLst>
+          </p:nvPr>
+        </p:nvSpPr>
+        <p:spPr>
+          <a:xfrm>
+            <a:off x="0" y="0"/>
+            <a:ext cx="12188952" cy="6858000"/>
+          </a:xfrm>
+          <a:prstGeom prst="rect">
+            <a:avLst/>
+          </a:prstGeom>
+          <a:ln>
+            <a:noFill/>
+          </a:ln>
+        </p:spPr>
+        <p:style>
+          <a:lnRef idx="2">
+            <a:schemeClr val="accent1">
+              <a:shade val="50000"/>
+            </a:schemeClr>
+          </a:lnRef>
+          <a:fillRef idx="1">
+            <a:schemeClr val="accent1"/>
+          </a:fillRef>
+          <a:effectRef idx="0">
+            <a:schemeClr val="accent1"/>
+          </a:effectRef>
+          <a:fontRef idx="minor">
+            <a:schemeClr val="lt1"/>
+          </a:fontRef>
+        </p:style>
+        <p:txBody>
+          <a:bodyPr rtlCol="0" anchor="ctr"/>
           <a:lstStyle/>
           <a:p>
-            <a:r>
-              <a:rPr lang="en-CH" dirty="0"/>
-              <a:t>Architecture of the app</a:t>
-            </a:r>
-          </a:p>
-        </p:txBody>
-      </p:sp>
-      <p:sp>
-        <p:nvSpPr>
-          <p:cNvPr id="3" name="Content Placeholder 2">
-            <a:extLst>
-              <a:ext uri="{FF2B5EF4-FFF2-40B4-BE49-F238E27FC236}">
-                <a16:creationId xmlns:a16="http://schemas.microsoft.com/office/drawing/2014/main" id="{D79A48E8-E69A-C645-BBF8-66BE2F9D7D6F}"/>
-              </a:ext>
-            </a:extLst>
-          </p:cNvPr>
-          <p:cNvSpPr>
-            <a:spLocks noGrp="1"/>
-          </p:cNvSpPr>
-          <p:nvPr>
-            <p:ph idx="1"/>
-          </p:nvPr>
-        </p:nvSpPr>
-        <p:spPr/>
-        <p:txBody>
-          <a:bodyPr/>
-          <a:lstStyle/>
-          <a:p>
-            <a:endParaRPr lang="en-CH"/>
+            <a:pPr algn="ctr"/>
+            <a:endParaRPr lang="en-US"/>
           </a:p>
         </p:txBody>
       </p:sp>
       <p:pic>
         <p:nvPicPr>
-          <p:cNvPr id="2050" name="Picture 2" descr="Flasks in Python. Flask is a micro web framework written… | by Shivangi  Sareen | Medium">
-            <a:extLst>
-              <a:ext uri="{FF2B5EF4-FFF2-40B4-BE49-F238E27FC236}">
-                <a16:creationId xmlns:a16="http://schemas.microsoft.com/office/drawing/2014/main" id="{5C9E8811-544D-B844-97BE-4846903481C6}"/>
+          <p:cNvPr id="1026" name="Picture 2" descr="What is Python Coding? | Coding for Kids Ages 11+ | Juni Learning">
+            <a:extLst>
+              <a:ext uri="{FF2B5EF4-FFF2-40B4-BE49-F238E27FC236}">
+                <a16:creationId xmlns:a16="http://schemas.microsoft.com/office/drawing/2014/main" id="{A82D9505-6BDE-F54D-8BE0-A8B8F1D55B37}"/>
               </a:ext>
             </a:extLst>
           </p:cNvPr>
@@ -7373,7 +8174,7 @@
           </p:cNvPicPr>
           <p:nvPr/>
         </p:nvPicPr>
-        <p:blipFill>
+        <p:blipFill rotWithShape="1">
           <a:blip r:embed="rId2">
             <a:extLst>
               <a:ext uri="{28A0092B-C50C-407E-A947-70E740481C1C}">
@@ -7381,20 +8182,17 @@
               </a:ext>
             </a:extLst>
           </a:blip>
-          <a:srcRect/>
-          <a:stretch>
-            <a:fillRect/>
-          </a:stretch>
+          <a:srcRect l="18568" t="18968" r="17198" b="18567"/>
+          <a:stretch/>
         </p:blipFill>
         <p:spPr bwMode="auto">
           <a:xfrm>
-            <a:off x="4563979" y="2279984"/>
-            <a:ext cx="3064042" cy="2298032"/>
+            <a:off x="2200587" y="2377008"/>
+            <a:ext cx="2858258" cy="2779534"/>
           </a:xfrm>
           <a:prstGeom prst="rect">
             <a:avLst/>
           </a:prstGeom>
-          <a:noFill/>
           <a:extLst>
             <a:ext uri="{909E8E84-426E-40DD-AFC4-6F175D3DCCD1}">
               <a14:hiddenFill xmlns:a14="http://schemas.microsoft.com/office/drawing/2010/main">
@@ -7406,6 +8204,94 @@
           </a:extLst>
         </p:spPr>
       </p:pic>
+      <p:pic>
+        <p:nvPicPr>
+          <p:cNvPr id="2050" name="Picture 2" descr="Flasks in Python. Flask is a micro web framework written… | by Shivangi  Sareen | Medium">
+            <a:extLst>
+              <a:ext uri="{FF2B5EF4-FFF2-40B4-BE49-F238E27FC236}">
+                <a16:creationId xmlns:a16="http://schemas.microsoft.com/office/drawing/2014/main" id="{5C9E8811-544D-B844-97BE-4846903481C6}"/>
+              </a:ext>
+            </a:extLst>
+          </p:cNvPr>
+          <p:cNvPicPr>
+            <a:picLocks noChangeAspect="1" noChangeArrowheads="1"/>
+          </p:cNvPicPr>
+          <p:nvPr/>
+        </p:nvPicPr>
+        <p:blipFill>
+          <a:blip r:embed="rId3">
+            <a:extLst>
+              <a:ext uri="{28A0092B-C50C-407E-A947-70E740481C1C}">
+                <a14:useLocalDpi xmlns:a14="http://schemas.microsoft.com/office/drawing/2010/main" val="0"/>
+              </a:ext>
+            </a:extLst>
+          </a:blip>
+          <a:srcRect/>
+          <a:stretch>
+            <a:fillRect/>
+          </a:stretch>
+        </p:blipFill>
+        <p:spPr bwMode="auto">
+          <a:xfrm>
+            <a:off x="7259432" y="2593691"/>
+            <a:ext cx="3137989" cy="2346168"/>
+          </a:xfrm>
+          <a:prstGeom prst="rect">
+            <a:avLst/>
+          </a:prstGeom>
+          <a:extLst>
+            <a:ext uri="{909E8E84-426E-40DD-AFC4-6F175D3DCCD1}">
+              <a14:hiddenFill xmlns:a14="http://schemas.microsoft.com/office/drawing/2010/main">
+                <a:solidFill>
+                  <a:srgbClr val="FFFFFF"/>
+                </a:solidFill>
+              </a14:hiddenFill>
+            </a:ext>
+          </a:extLst>
+        </p:spPr>
+      </p:pic>
+      <p:sp>
+        <p:nvSpPr>
+          <p:cNvPr id="2" name="Title 1">
+            <a:extLst>
+              <a:ext uri="{FF2B5EF4-FFF2-40B4-BE49-F238E27FC236}">
+                <a16:creationId xmlns:a16="http://schemas.microsoft.com/office/drawing/2014/main" id="{DAFE9CDC-B471-A84D-999D-473CE17DEF61}"/>
+              </a:ext>
+            </a:extLst>
+          </p:cNvPr>
+          <p:cNvSpPr>
+            <a:spLocks noGrp="1"/>
+          </p:cNvSpPr>
+          <p:nvPr>
+            <p:ph type="title"/>
+          </p:nvPr>
+        </p:nvSpPr>
+        <p:spPr>
+          <a:xfrm>
+            <a:off x="838200" y="184805"/>
+            <a:ext cx="10515600" cy="1505883"/>
+          </a:xfrm>
+        </p:spPr>
+        <p:txBody>
+          <a:bodyPr vert="horz" lIns="91440" tIns="45720" rIns="91440" bIns="45720" rtlCol="0" anchor="ctr">
+            <a:normAutofit/>
+          </a:bodyPr>
+          <a:lstStyle/>
+          <a:p>
+            <a:r>
+              <a:rPr lang="en-US" sz="5200" kern="1200">
+                <a:solidFill>
+                  <a:schemeClr val="tx1"/>
+                </a:solidFill>
+                <a:latin typeface="+mj-lt"/>
+                <a:ea typeface="+mj-ea"/>
+                <a:cs typeface="+mj-cs"/>
+              </a:rPr>
+              <a:t>App architecture</a:t>
+            </a:r>
+          </a:p>
+        </p:txBody>
+      </p:sp>
     </p:spTree>
     <p:extLst>
       <p:ext uri="{BB962C8B-B14F-4D97-AF65-F5344CB8AC3E}">
@@ -7416,6 +8302,18 @@
   <p:clrMapOvr>
     <a:masterClrMapping/>
   </p:clrMapOvr>
+  <mc:AlternateContent xmlns:mc="http://schemas.openxmlformats.org/markup-compatibility/2006">
+    <mc:Choice xmlns:p14="http://schemas.microsoft.com/office/powerpoint/2010/main" Requires="p14">
+      <p:transition p14:dur="400">
+        <p:fade/>
+      </p:transition>
+    </mc:Choice>
+    <mc:Fallback>
+      <p:transition>
+        <p:fade/>
+      </p:transition>
+    </mc:Fallback>
+  </mc:AlternateContent>
 </p:sld>
 </file>
 
@@ -7712,4 +8610,299 @@
     </a:ext>
   </a:extLst>
 </a:theme>
+</file>
+
+<file path=ppt/theme/theme2.xml><?xml version="1.0" encoding="utf-8"?>
+<a:theme xmlns:a="http://schemas.openxmlformats.org/drawingml/2006/main" name="Office Theme">
+  <a:themeElements>
+    <a:clrScheme name="Office">
+      <a:dk1>
+        <a:sysClr val="windowText" lastClr="000000"/>
+      </a:dk1>
+      <a:lt1>
+        <a:sysClr val="window" lastClr="FFFFFF"/>
+      </a:lt1>
+      <a:dk2>
+        <a:srgbClr val="44546A"/>
+      </a:dk2>
+      <a:lt2>
+        <a:srgbClr val="E7E6E6"/>
+      </a:lt2>
+      <a:accent1>
+        <a:srgbClr val="4472C4"/>
+      </a:accent1>
+      <a:accent2>
+        <a:srgbClr val="ED7D31"/>
+      </a:accent2>
+      <a:accent3>
+        <a:srgbClr val="A5A5A5"/>
+      </a:accent3>
+      <a:accent4>
+        <a:srgbClr val="FFC000"/>
+      </a:accent4>
+      <a:accent5>
+        <a:srgbClr val="5B9BD5"/>
+      </a:accent5>
+      <a:accent6>
+        <a:srgbClr val="70AD47"/>
+      </a:accent6>
+      <a:hlink>
+        <a:srgbClr val="0563C1"/>
+      </a:hlink>
+      <a:folHlink>
+        <a:srgbClr val="954F72"/>
+      </a:folHlink>
+    </a:clrScheme>
+    <a:fontScheme name="Office">
+      <a:majorFont>
+        <a:latin typeface="Calibri Light" panose="020F0302020204030204"/>
+        <a:ea typeface=""/>
+        <a:cs typeface=""/>
+        <a:font script="Jpan" typeface="游ゴシック Light"/>
+        <a:font script="Hang" typeface="맑은 고딕"/>
+        <a:font script="Hans" typeface="等线 Light"/>
+        <a:font script="Hant" typeface="新細明體"/>
+        <a:font script="Arab" typeface="Times New Roman"/>
+        <a:font script="Hebr" typeface="Times New Roman"/>
+        <a:font script="Thai" typeface="Angsana New"/>
+        <a:font script="Ethi" typeface="Nyala"/>
+        <a:font script="Beng" typeface="Vrinda"/>
+        <a:font script="Gujr" typeface="Shruti"/>
+        <a:font script="Khmr" typeface="MoolBoran"/>
+        <a:font script="Knda" typeface="Tunga"/>
+        <a:font script="Guru" typeface="Raavi"/>
+        <a:font script="Cans" typeface="Euphemia"/>
+        <a:font script="Cher" typeface="Plantagenet Cherokee"/>
+        <a:font script="Yiii" typeface="Microsoft Yi Baiti"/>
+        <a:font script="Tibt" typeface="Microsoft Himalaya"/>
+        <a:font script="Thaa" typeface="MV Boli"/>
+        <a:font script="Deva" typeface="Mangal"/>
+        <a:font script="Telu" typeface="Gautami"/>
+        <a:font script="Taml" typeface="Latha"/>
+        <a:font script="Syrc" typeface="Estrangelo Edessa"/>
+        <a:font script="Orya" typeface="Kalinga"/>
+        <a:font script="Mlym" typeface="Kartika"/>
+        <a:font script="Laoo" typeface="DokChampa"/>
+        <a:font script="Sinh" typeface="Iskoola Pota"/>
+        <a:font script="Mong" typeface="Mongolian Baiti"/>
+        <a:font script="Viet" typeface="Times New Roman"/>
+        <a:font script="Uigh" typeface="Microsoft Uighur"/>
+        <a:font script="Geor" typeface="Sylfaen"/>
+        <a:font script="Armn" typeface="Arial"/>
+        <a:font script="Bugi" typeface="Leelawadee UI"/>
+        <a:font script="Bopo" typeface="Microsoft JhengHei"/>
+        <a:font script="Java" typeface="Javanese Text"/>
+        <a:font script="Lisu" typeface="Segoe UI"/>
+        <a:font script="Mymr" typeface="Myanmar Text"/>
+        <a:font script="Nkoo" typeface="Ebrima"/>
+        <a:font script="Olck" typeface="Nirmala UI"/>
+        <a:font script="Osma" typeface="Ebrima"/>
+        <a:font script="Phag" typeface="Phagspa"/>
+        <a:font script="Syrn" typeface="Estrangelo Edessa"/>
+        <a:font script="Syrj" typeface="Estrangelo Edessa"/>
+        <a:font script="Syre" typeface="Estrangelo Edessa"/>
+        <a:font script="Sora" typeface="Nirmala UI"/>
+        <a:font script="Tale" typeface="Microsoft Tai Le"/>
+        <a:font script="Talu" typeface="Microsoft New Tai Lue"/>
+        <a:font script="Tfng" typeface="Ebrima"/>
+      </a:majorFont>
+      <a:minorFont>
+        <a:latin typeface="Calibri" panose="020F0502020204030204"/>
+        <a:ea typeface=""/>
+        <a:cs typeface=""/>
+        <a:font script="Jpan" typeface="游ゴシック"/>
+        <a:font script="Hang" typeface="맑은 고딕"/>
+        <a:font script="Hans" typeface="等线"/>
+        <a:font script="Hant" typeface="新細明體"/>
+        <a:font script="Arab" typeface="Arial"/>
+        <a:font script="Hebr" typeface="Arial"/>
+        <a:font script="Thai" typeface="Cordia New"/>
+        <a:font script="Ethi" typeface="Nyala"/>
+        <a:font script="Beng" typeface="Vrinda"/>
+        <a:font script="Gujr" typeface="Shruti"/>
+        <a:font script="Khmr" typeface="DaunPenh"/>
+        <a:font script="Knda" typeface="Tunga"/>
+        <a:font script="Guru" typeface="Raavi"/>
+        <a:font script="Cans" typeface="Euphemia"/>
+        <a:font script="Cher" typeface="Plantagenet Cherokee"/>
+        <a:font script="Yiii" typeface="Microsoft Yi Baiti"/>
+        <a:font script="Tibt" typeface="Microsoft Himalaya"/>
+        <a:font script="Thaa" typeface="MV Boli"/>
+        <a:font script="Deva" typeface="Mangal"/>
+        <a:font script="Telu" typeface="Gautami"/>
+        <a:font script="Taml" typeface="Latha"/>
+        <a:font script="Syrc" typeface="Estrangelo Edessa"/>
+        <a:font script="Orya" typeface="Kalinga"/>
+        <a:font script="Mlym" typeface="Kartika"/>
+        <a:font script="Laoo" typeface="DokChampa"/>
+        <a:font script="Sinh" typeface="Iskoola Pota"/>
+        <a:font script="Mong" typeface="Mongolian Baiti"/>
+        <a:font script="Viet" typeface="Arial"/>
+        <a:font script="Uigh" typeface="Microsoft Uighur"/>
+        <a:font script="Geor" typeface="Sylfaen"/>
+        <a:font script="Armn" typeface="Arial"/>
+        <a:font script="Bugi" typeface="Leelawadee UI"/>
+        <a:font script="Bopo" typeface="Microsoft JhengHei"/>
+        <a:font script="Java" typeface="Javanese Text"/>
+        <a:font script="Lisu" typeface="Segoe UI"/>
+        <a:font script="Mymr" typeface="Myanmar Text"/>
+        <a:font script="Nkoo" typeface="Ebrima"/>
+        <a:font script="Olck" typeface="Nirmala UI"/>
+        <a:font script="Osma" typeface="Ebrima"/>
+        <a:font script="Phag" typeface="Phagspa"/>
+        <a:font script="Syrn" typeface="Estrangelo Edessa"/>
+        <a:font script="Syrj" typeface="Estrangelo Edessa"/>
+        <a:font script="Syre" typeface="Estrangelo Edessa"/>
+        <a:font script="Sora" typeface="Nirmala UI"/>
+        <a:font script="Tale" typeface="Microsoft Tai Le"/>
+        <a:font script="Talu" typeface="Microsoft New Tai Lue"/>
+        <a:font script="Tfng" typeface="Ebrima"/>
+      </a:minorFont>
+    </a:fontScheme>
+    <a:fmtScheme name="Office">
+      <a:fillStyleLst>
+        <a:solidFill>
+          <a:schemeClr val="phClr"/>
+        </a:solidFill>
+        <a:gradFill rotWithShape="1">
+          <a:gsLst>
+            <a:gs pos="0">
+              <a:schemeClr val="phClr">
+                <a:lumMod val="110000"/>
+                <a:satMod val="105000"/>
+                <a:tint val="67000"/>
+              </a:schemeClr>
+            </a:gs>
+            <a:gs pos="50000">
+              <a:schemeClr val="phClr">
+                <a:lumMod val="105000"/>
+                <a:satMod val="103000"/>
+                <a:tint val="73000"/>
+              </a:schemeClr>
+            </a:gs>
+            <a:gs pos="100000">
+              <a:schemeClr val="phClr">
+                <a:lumMod val="105000"/>
+                <a:satMod val="109000"/>
+                <a:tint val="81000"/>
+              </a:schemeClr>
+            </a:gs>
+          </a:gsLst>
+          <a:lin ang="5400000" scaled="0"/>
+        </a:gradFill>
+        <a:gradFill rotWithShape="1">
+          <a:gsLst>
+            <a:gs pos="0">
+              <a:schemeClr val="phClr">
+                <a:satMod val="103000"/>
+                <a:lumMod val="102000"/>
+                <a:tint val="94000"/>
+              </a:schemeClr>
+            </a:gs>
+            <a:gs pos="50000">
+              <a:schemeClr val="phClr">
+                <a:satMod val="110000"/>
+                <a:lumMod val="100000"/>
+                <a:shade val="100000"/>
+              </a:schemeClr>
+            </a:gs>
+            <a:gs pos="100000">
+              <a:schemeClr val="phClr">
+                <a:lumMod val="99000"/>
+                <a:satMod val="120000"/>
+                <a:shade val="78000"/>
+              </a:schemeClr>
+            </a:gs>
+          </a:gsLst>
+          <a:lin ang="5400000" scaled="0"/>
+        </a:gradFill>
+      </a:fillStyleLst>
+      <a:lnStyleLst>
+        <a:ln w="6350" cap="flat" cmpd="sng" algn="ctr">
+          <a:solidFill>
+            <a:schemeClr val="phClr"/>
+          </a:solidFill>
+          <a:prstDash val="solid"/>
+          <a:miter lim="800000"/>
+        </a:ln>
+        <a:ln w="12700" cap="flat" cmpd="sng" algn="ctr">
+          <a:solidFill>
+            <a:schemeClr val="phClr"/>
+          </a:solidFill>
+          <a:prstDash val="solid"/>
+          <a:miter lim="800000"/>
+        </a:ln>
+        <a:ln w="19050" cap="flat" cmpd="sng" algn="ctr">
+          <a:solidFill>
+            <a:schemeClr val="phClr"/>
+          </a:solidFill>
+          <a:prstDash val="solid"/>
+          <a:miter lim="800000"/>
+        </a:ln>
+      </a:lnStyleLst>
+      <a:effectStyleLst>
+        <a:effectStyle>
+          <a:effectLst/>
+        </a:effectStyle>
+        <a:effectStyle>
+          <a:effectLst/>
+        </a:effectStyle>
+        <a:effectStyle>
+          <a:effectLst>
+            <a:outerShdw blurRad="57150" dist="19050" dir="5400000" algn="ctr" rotWithShape="0">
+              <a:srgbClr val="000000">
+                <a:alpha val="63000"/>
+              </a:srgbClr>
+            </a:outerShdw>
+          </a:effectLst>
+        </a:effectStyle>
+      </a:effectStyleLst>
+      <a:bgFillStyleLst>
+        <a:solidFill>
+          <a:schemeClr val="phClr"/>
+        </a:solidFill>
+        <a:solidFill>
+          <a:schemeClr val="phClr">
+            <a:tint val="95000"/>
+            <a:satMod val="170000"/>
+          </a:schemeClr>
+        </a:solidFill>
+        <a:gradFill rotWithShape="1">
+          <a:gsLst>
+            <a:gs pos="0">
+              <a:schemeClr val="phClr">
+                <a:tint val="93000"/>
+                <a:satMod val="150000"/>
+                <a:shade val="98000"/>
+                <a:lumMod val="102000"/>
+              </a:schemeClr>
+            </a:gs>
+            <a:gs pos="50000">
+              <a:schemeClr val="phClr">
+                <a:tint val="98000"/>
+                <a:satMod val="130000"/>
+                <a:shade val="90000"/>
+                <a:lumMod val="103000"/>
+              </a:schemeClr>
+            </a:gs>
+            <a:gs pos="100000">
+              <a:schemeClr val="phClr">
+                <a:shade val="63000"/>
+                <a:satMod val="120000"/>
+              </a:schemeClr>
+            </a:gs>
+          </a:gsLst>
+          <a:lin ang="5400000" scaled="0"/>
+        </a:gradFill>
+      </a:bgFillStyleLst>
+    </a:fmtScheme>
+  </a:themeElements>
+  <a:objectDefaults/>
+  <a:extraClrSchemeLst/>
+  <a:extLst>
+    <a:ext uri="{05A4C25C-085E-4340-85A3-A5531E510DB2}">
+      <thm15:themeFamily xmlns:thm15="http://schemas.microsoft.com/office/thememl/2012/main" name="Office Theme" id="{62F939B6-93AF-4DB8-9C6B-D6C7DFDC589F}" vid="{4A3C46E8-61CC-4603-A589-7422A47A8E4A}"/>
+    </a:ext>
+  </a:extLst>
+</a:theme>
 </file>